--- a/Day2Redux/PythonDataAnalysis_withQuickDayOne.pptx
+++ b/Day2Redux/PythonDataAnalysis_withQuickDayOne.pptx
@@ -3047,14 +3047,23 @@
           <a:lstStyle/>
           <a:p>
             <a:r>
-              <a:rPr lang="en-US" dirty="0" smtClean="0"/>
-              <a:t>Day 2 of 2</a:t>
-            </a:r>
-          </a:p>
-          <a:p>
-            <a:r>
-              <a:rPr lang="en-US" dirty="0" smtClean="0"/>
-              <a:t>April 24, 2018</a:t>
+              <a:rPr lang="en-US" smtClean="0"/>
+              <a:t>Day </a:t>
+            </a:r>
+            <a:r>
+              <a:rPr lang="en-US" smtClean="0"/>
+              <a:t>2</a:t>
+            </a:r>
+            <a:endParaRPr lang="en-US" dirty="0" smtClean="0"/>
+          </a:p>
+          <a:p>
+            <a:r>
+              <a:rPr lang="en-US" dirty="0" smtClean="0"/>
+              <a:t>May 29, </a:t>
+            </a:r>
+            <a:r>
+              <a:rPr lang="en-US" dirty="0" smtClean="0"/>
+              <a:t>2018</a:t>
             </a:r>
             <a:endParaRPr lang="en-US" dirty="0"/>
           </a:p>
